--- a/Outputs/Panel1.pptx
+++ b/Outputs/Panel1.pptx
@@ -261,7 +261,7 @@
           <a:p>
             <a:fld id="{3EFAA13F-415D-394F-8394-2EA807F80092}" type="datetimeFigureOut">
               <a:rPr lang="en-US" smtClean="0"/>
-              <a:t>11/26/22</a:t>
+              <a:t>12/5/22</a:t>
             </a:fld>
             <a:endParaRPr lang="en-US"/>
           </a:p>
@@ -461,7 +461,7 @@
           <a:p>
             <a:fld id="{3EFAA13F-415D-394F-8394-2EA807F80092}" type="datetimeFigureOut">
               <a:rPr lang="en-US" smtClean="0"/>
-              <a:t>11/26/22</a:t>
+              <a:t>12/5/22</a:t>
             </a:fld>
             <a:endParaRPr lang="en-US"/>
           </a:p>
@@ -671,7 +671,7 @@
           <a:p>
             <a:fld id="{3EFAA13F-415D-394F-8394-2EA807F80092}" type="datetimeFigureOut">
               <a:rPr lang="en-US" smtClean="0"/>
-              <a:t>11/26/22</a:t>
+              <a:t>12/5/22</a:t>
             </a:fld>
             <a:endParaRPr lang="en-US"/>
           </a:p>
@@ -871,7 +871,7 @@
           <a:p>
             <a:fld id="{3EFAA13F-415D-394F-8394-2EA807F80092}" type="datetimeFigureOut">
               <a:rPr lang="en-US" smtClean="0"/>
-              <a:t>11/26/22</a:t>
+              <a:t>12/5/22</a:t>
             </a:fld>
             <a:endParaRPr lang="en-US"/>
           </a:p>
@@ -1147,7 +1147,7 @@
           <a:p>
             <a:fld id="{3EFAA13F-415D-394F-8394-2EA807F80092}" type="datetimeFigureOut">
               <a:rPr lang="en-US" smtClean="0"/>
-              <a:t>11/26/22</a:t>
+              <a:t>12/5/22</a:t>
             </a:fld>
             <a:endParaRPr lang="en-US"/>
           </a:p>
@@ -1415,7 +1415,7 @@
           <a:p>
             <a:fld id="{3EFAA13F-415D-394F-8394-2EA807F80092}" type="datetimeFigureOut">
               <a:rPr lang="en-US" smtClean="0"/>
-              <a:t>11/26/22</a:t>
+              <a:t>12/5/22</a:t>
             </a:fld>
             <a:endParaRPr lang="en-US"/>
           </a:p>
@@ -1830,7 +1830,7 @@
           <a:p>
             <a:fld id="{3EFAA13F-415D-394F-8394-2EA807F80092}" type="datetimeFigureOut">
               <a:rPr lang="en-US" smtClean="0"/>
-              <a:t>11/26/22</a:t>
+              <a:t>12/5/22</a:t>
             </a:fld>
             <a:endParaRPr lang="en-US"/>
           </a:p>
@@ -1972,7 +1972,7 @@
           <a:p>
             <a:fld id="{3EFAA13F-415D-394F-8394-2EA807F80092}" type="datetimeFigureOut">
               <a:rPr lang="en-US" smtClean="0"/>
-              <a:t>11/26/22</a:t>
+              <a:t>12/5/22</a:t>
             </a:fld>
             <a:endParaRPr lang="en-US"/>
           </a:p>
@@ -2085,7 +2085,7 @@
           <a:p>
             <a:fld id="{3EFAA13F-415D-394F-8394-2EA807F80092}" type="datetimeFigureOut">
               <a:rPr lang="en-US" smtClean="0"/>
-              <a:t>11/26/22</a:t>
+              <a:t>12/5/22</a:t>
             </a:fld>
             <a:endParaRPr lang="en-US"/>
           </a:p>
@@ -2398,7 +2398,7 @@
           <a:p>
             <a:fld id="{3EFAA13F-415D-394F-8394-2EA807F80092}" type="datetimeFigureOut">
               <a:rPr lang="en-US" smtClean="0"/>
-              <a:t>11/26/22</a:t>
+              <a:t>12/5/22</a:t>
             </a:fld>
             <a:endParaRPr lang="en-US"/>
           </a:p>
@@ -2687,7 +2687,7 @@
           <a:p>
             <a:fld id="{3EFAA13F-415D-394F-8394-2EA807F80092}" type="datetimeFigureOut">
               <a:rPr lang="en-US" smtClean="0"/>
-              <a:t>11/26/22</a:t>
+              <a:t>12/5/22</a:t>
             </a:fld>
             <a:endParaRPr lang="en-US"/>
           </a:p>
@@ -2930,7 +2930,7 @@
           <a:p>
             <a:fld id="{3EFAA13F-415D-394F-8394-2EA807F80092}" type="datetimeFigureOut">
               <a:rPr lang="en-US" smtClean="0"/>
-              <a:t>11/26/22</a:t>
+              <a:t>12/5/22</a:t>
             </a:fld>
             <a:endParaRPr lang="en-US"/>
           </a:p>
@@ -3477,8 +3477,8 @@
         </p:nvSpPr>
         <p:spPr>
           <a:xfrm rot="5400000">
-            <a:off x="9570280" y="1433212"/>
-            <a:ext cx="858549" cy="307777"/>
+            <a:off x="9541668" y="1555343"/>
+            <a:ext cx="946547" cy="338554"/>
           </a:xfrm>
           <a:prstGeom prst="rect">
             <a:avLst/>
@@ -3492,26 +3492,44 @@
           <a:lstStyle/>
           <a:p>
             <a:r>
-              <a:rPr lang="en-US" sz="1400" dirty="0"/>
+              <a:rPr lang="en-US" sz="1600" b="1" dirty="0">
+                <a:latin typeface="Times New Roman" panose="02020603050405020304" pitchFamily="18" charset="0"/>
+                <a:cs typeface="Times New Roman" panose="02020603050405020304" pitchFamily="18" charset="0"/>
+              </a:rPr>
               <a:t>N</a:t>
             </a:r>
             <a:r>
-              <a:rPr lang="en-US" sz="1400" baseline="-25000" dirty="0"/>
+              <a:rPr lang="en-US" sz="1600" b="1" baseline="-25000" dirty="0">
+                <a:latin typeface="Times New Roman" panose="02020603050405020304" pitchFamily="18" charset="0"/>
+                <a:cs typeface="Times New Roman" panose="02020603050405020304" pitchFamily="18" charset="0"/>
+              </a:rPr>
               <a:t>d </a:t>
             </a:r>
             <a:r>
-              <a:rPr lang="en-US" sz="1400" dirty="0"/>
+              <a:rPr lang="en-US" sz="1600" b="1" dirty="0">
+                <a:latin typeface="Times New Roman" panose="02020603050405020304" pitchFamily="18" charset="0"/>
+                <a:cs typeface="Times New Roman" panose="02020603050405020304" pitchFamily="18" charset="0"/>
+              </a:rPr>
               <a:t>(cm</a:t>
             </a:r>
             <a:r>
-              <a:rPr lang="en-US" sz="1400" baseline="30000" dirty="0"/>
+              <a:rPr lang="en-US" sz="1600" b="1" baseline="30000" dirty="0">
+                <a:latin typeface="Times New Roman" panose="02020603050405020304" pitchFamily="18" charset="0"/>
+                <a:cs typeface="Times New Roman" panose="02020603050405020304" pitchFamily="18" charset="0"/>
+              </a:rPr>
               <a:t>-3</a:t>
             </a:r>
             <a:r>
-              <a:rPr lang="en-US" sz="1400" dirty="0"/>
+              <a:rPr lang="en-US" sz="1600" b="1" dirty="0">
+                <a:latin typeface="Times New Roman" panose="02020603050405020304" pitchFamily="18" charset="0"/>
+                <a:cs typeface="Times New Roman" panose="02020603050405020304" pitchFamily="18" charset="0"/>
+              </a:rPr>
               <a:t>)</a:t>
             </a:r>
-            <a:endParaRPr lang="en-US" sz="1400" baseline="-25000" dirty="0"/>
+            <a:endParaRPr lang="en-US" sz="1600" b="1" baseline="-25000" dirty="0">
+              <a:latin typeface="Times New Roman" panose="02020603050405020304" pitchFamily="18" charset="0"/>
+              <a:cs typeface="Times New Roman" panose="02020603050405020304" pitchFamily="18" charset="0"/>
+            </a:endParaRPr>
           </a:p>
         </p:txBody>
       </p:sp>
@@ -3529,8 +3547,8 @@
         </p:nvSpPr>
         <p:spPr>
           <a:xfrm rot="5400000">
-            <a:off x="9724318" y="4704449"/>
-            <a:ext cx="550472" cy="307777"/>
+            <a:off x="9638446" y="4689060"/>
+            <a:ext cx="752989" cy="338554"/>
           </a:xfrm>
           <a:prstGeom prst="rect">
             <a:avLst/>
@@ -3544,10 +3562,16 @@
           <a:lstStyle/>
           <a:p>
             <a:r>
-              <a:rPr lang="en-US" sz="1400" dirty="0"/>
+              <a:rPr lang="en-US" sz="1600" b="1" dirty="0">
+                <a:latin typeface="Times New Roman" panose="02020603050405020304" pitchFamily="18" charset="0"/>
+                <a:cs typeface="Times New Roman" panose="02020603050405020304" pitchFamily="18" charset="0"/>
+              </a:rPr>
               <a:t>AOD</a:t>
             </a:r>
-            <a:endParaRPr lang="en-US" sz="1400" baseline="-25000" dirty="0"/>
+            <a:endParaRPr lang="en-US" sz="1600" b="1" baseline="-25000" dirty="0">
+              <a:latin typeface="Times New Roman" panose="02020603050405020304" pitchFamily="18" charset="0"/>
+              <a:cs typeface="Times New Roman" panose="02020603050405020304" pitchFamily="18" charset="0"/>
+            </a:endParaRPr>
           </a:p>
         </p:txBody>
       </p:sp>
@@ -3753,8 +3777,8 @@
         </p:nvSpPr>
         <p:spPr>
           <a:xfrm>
-            <a:off x="3927329" y="251170"/>
-            <a:ext cx="721672" cy="369332"/>
+            <a:off x="3845871" y="180737"/>
+            <a:ext cx="772969" cy="369332"/>
           </a:xfrm>
           <a:prstGeom prst="rect">
             <a:avLst/>
@@ -3772,7 +3796,10 @@
               <a:t> </a:t>
             </a:r>
             <a:r>
-              <a:rPr lang="en-US" sz="1600" b="1" dirty="0"/>
+              <a:rPr lang="en-US" sz="1600" b="1" dirty="0">
+                <a:latin typeface="Times New Roman" panose="02020603050405020304" pitchFamily="18" charset="0"/>
+                <a:cs typeface="Times New Roman" panose="02020603050405020304" pitchFamily="18" charset="0"/>
+              </a:rPr>
               <a:t>MAM</a:t>
             </a:r>
           </a:p>
@@ -3792,8 +3819,8 @@
         </p:nvSpPr>
         <p:spPr>
           <a:xfrm>
-            <a:off x="7630829" y="251170"/>
-            <a:ext cx="526876" cy="369332"/>
+            <a:off x="7560869" y="218956"/>
+            <a:ext cx="617477" cy="369332"/>
           </a:xfrm>
           <a:prstGeom prst="rect">
             <a:avLst/>
@@ -3807,11 +3834,17 @@
           <a:lstStyle/>
           <a:p>
             <a:r>
-              <a:rPr lang="en-US" dirty="0"/>
+              <a:rPr lang="en-US" dirty="0">
+                <a:latin typeface="Times New Roman" panose="02020603050405020304" pitchFamily="18" charset="0"/>
+                <a:cs typeface="Times New Roman" panose="02020603050405020304" pitchFamily="18" charset="0"/>
+              </a:rPr>
               <a:t> </a:t>
             </a:r>
             <a:r>
-              <a:rPr lang="en-US" sz="1600" b="1" dirty="0"/>
+              <a:rPr lang="en-US" sz="1600" b="1" dirty="0">
+                <a:latin typeface="Times New Roman" panose="02020603050405020304" pitchFamily="18" charset="0"/>
+                <a:cs typeface="Times New Roman" panose="02020603050405020304" pitchFamily="18" charset="0"/>
+              </a:rPr>
               <a:t>DJF</a:t>
             </a:r>
           </a:p>
